--- a/ppt 16-9/1397.在主里有平安.pptx
+++ b/ppt 16-9/1397.在主里有平安.pptx
@@ -5,7 +5,7 @@
     <p:sldMasterId id="2147483648" r:id="rId1"/>
   </p:sldMasterIdLst>
   <p:sldIdLst>
-    <p:sldId id="968" r:id="rId2"/>
+    <p:sldId id="969" r:id="rId2"/>
   </p:sldIdLst>
   <p:sldSz cx="12192000" cy="6858000"/>
   <p:notesSz cx="6858000" cy="9144000"/>
@@ -129,7 +129,7 @@
           <p:cNvPr id="2" name="标题 1">
             <a:extLst>
               <a:ext uri="{FF2B5EF4-FFF2-40B4-BE49-F238E27FC236}">
-                <a16:creationId xmlns:a16="http://schemas.microsoft.com/office/drawing/2014/main" id="{A68B56B7-6F7E-05DD-99CA-DBF963706394}"/>
+                <a16:creationId xmlns:a16="http://schemas.microsoft.com/office/drawing/2014/main" id="{4F84CFF3-E2A2-F899-6376-C2286BB8402B}"/>
               </a:ext>
             </a:extLst>
           </p:cNvPr>
@@ -166,7 +166,7 @@
           <p:cNvPr id="3" name="副标题 2">
             <a:extLst>
               <a:ext uri="{FF2B5EF4-FFF2-40B4-BE49-F238E27FC236}">
-                <a16:creationId xmlns:a16="http://schemas.microsoft.com/office/drawing/2014/main" id="{C19FAA69-F7BD-BDC4-4000-85317D70F971}"/>
+                <a16:creationId xmlns:a16="http://schemas.microsoft.com/office/drawing/2014/main" id="{4EB14AE7-08E7-4B77-71C7-52A3449B89DC}"/>
               </a:ext>
             </a:extLst>
           </p:cNvPr>
@@ -236,7 +236,7 @@
           <p:cNvPr id="4" name="日期占位符 3">
             <a:extLst>
               <a:ext uri="{FF2B5EF4-FFF2-40B4-BE49-F238E27FC236}">
-                <a16:creationId xmlns:a16="http://schemas.microsoft.com/office/drawing/2014/main" id="{E756EBD4-DD44-2650-2121-B290B33B467D}"/>
+                <a16:creationId xmlns:a16="http://schemas.microsoft.com/office/drawing/2014/main" id="{CEFD7E81-9F60-6366-EE11-D95C0A23D2E0}"/>
               </a:ext>
             </a:extLst>
           </p:cNvPr>
@@ -252,7 +252,7 @@
           <a:bodyPr/>
           <a:lstStyle/>
           <a:p>
-            <a:fld id="{1E725B63-1F29-44DE-A66A-62DEE4AC1FF9}" type="datetimeFigureOut">
+            <a:fld id="{DED1EF7F-25F0-47C9-90B5-AB12806FA1BE}" type="datetimeFigureOut">
               <a:rPr lang="zh-CN" altLang="en-US" smtClean="0"/>
               <a:t>2024/3/10</a:t>
             </a:fld>
@@ -265,7 +265,7 @@
           <p:cNvPr id="5" name="页脚占位符 4">
             <a:extLst>
               <a:ext uri="{FF2B5EF4-FFF2-40B4-BE49-F238E27FC236}">
-                <a16:creationId xmlns:a16="http://schemas.microsoft.com/office/drawing/2014/main" id="{7BBD6857-8FCA-AC9A-F59A-8CB3C87C19E7}"/>
+                <a16:creationId xmlns:a16="http://schemas.microsoft.com/office/drawing/2014/main" id="{46D01E3C-F920-0E04-037B-E78F69387E2B}"/>
               </a:ext>
             </a:extLst>
           </p:cNvPr>
@@ -290,7 +290,7 @@
           <p:cNvPr id="6" name="灯片编号占位符 5">
             <a:extLst>
               <a:ext uri="{FF2B5EF4-FFF2-40B4-BE49-F238E27FC236}">
-                <a16:creationId xmlns:a16="http://schemas.microsoft.com/office/drawing/2014/main" id="{B50744E3-F2D6-EDEE-9E23-9D7734DEF924}"/>
+                <a16:creationId xmlns:a16="http://schemas.microsoft.com/office/drawing/2014/main" id="{46ACE4C4-4C13-05C8-3969-F29ACE73C807}"/>
               </a:ext>
             </a:extLst>
           </p:cNvPr>
@@ -306,7 +306,7 @@
           <a:bodyPr/>
           <a:lstStyle/>
           <a:p>
-            <a:fld id="{FFA207C4-1E40-4AE0-BCEB-D61B65E13D28}" type="slidenum">
+            <a:fld id="{27E4A81C-4C7D-4319-82BE-EE7117D0E001}" type="slidenum">
               <a:rPr lang="zh-CN" altLang="en-US" smtClean="0"/>
               <a:t>‹#›</a:t>
             </a:fld>
@@ -317,7 +317,7 @@
     </p:spTree>
     <p:extLst>
       <p:ext uri="{BB962C8B-B14F-4D97-AF65-F5344CB8AC3E}">
-        <p14:creationId xmlns:p14="http://schemas.microsoft.com/office/powerpoint/2010/main" val="2266129419"/>
+        <p14:creationId xmlns:p14="http://schemas.microsoft.com/office/powerpoint/2010/main" val="3264304872"/>
       </p:ext>
     </p:extLst>
   </p:cSld>
@@ -349,7 +349,7 @@
           <p:cNvPr id="2" name="标题 1">
             <a:extLst>
               <a:ext uri="{FF2B5EF4-FFF2-40B4-BE49-F238E27FC236}">
-                <a16:creationId xmlns:a16="http://schemas.microsoft.com/office/drawing/2014/main" id="{5D662CE3-CBC7-5ECB-72E9-14CC461EF306}"/>
+                <a16:creationId xmlns:a16="http://schemas.microsoft.com/office/drawing/2014/main" id="{4586A7A3-A7A7-851F-1F30-CF0D2025E287}"/>
               </a:ext>
             </a:extLst>
           </p:cNvPr>
@@ -377,7 +377,7 @@
           <p:cNvPr id="3" name="竖排文字占位符 2">
             <a:extLst>
               <a:ext uri="{FF2B5EF4-FFF2-40B4-BE49-F238E27FC236}">
-                <a16:creationId xmlns:a16="http://schemas.microsoft.com/office/drawing/2014/main" id="{03F18B8B-E506-3067-EA1B-FF29DAE981CE}"/>
+                <a16:creationId xmlns:a16="http://schemas.microsoft.com/office/drawing/2014/main" id="{16B6D603-950D-C2F6-E09F-F438A5A0ADF1}"/>
               </a:ext>
             </a:extLst>
           </p:cNvPr>
@@ -434,7 +434,7 @@
           <p:cNvPr id="4" name="日期占位符 3">
             <a:extLst>
               <a:ext uri="{FF2B5EF4-FFF2-40B4-BE49-F238E27FC236}">
-                <a16:creationId xmlns:a16="http://schemas.microsoft.com/office/drawing/2014/main" id="{A4334BB5-3339-B9A5-C9FB-ED725C68750F}"/>
+                <a16:creationId xmlns:a16="http://schemas.microsoft.com/office/drawing/2014/main" id="{59B39234-AE76-96B6-7F25-A342071B1A64}"/>
               </a:ext>
             </a:extLst>
           </p:cNvPr>
@@ -450,7 +450,7 @@
           <a:bodyPr/>
           <a:lstStyle/>
           <a:p>
-            <a:fld id="{1E725B63-1F29-44DE-A66A-62DEE4AC1FF9}" type="datetimeFigureOut">
+            <a:fld id="{DED1EF7F-25F0-47C9-90B5-AB12806FA1BE}" type="datetimeFigureOut">
               <a:rPr lang="zh-CN" altLang="en-US" smtClean="0"/>
               <a:t>2024/3/10</a:t>
             </a:fld>
@@ -463,7 +463,7 @@
           <p:cNvPr id="5" name="页脚占位符 4">
             <a:extLst>
               <a:ext uri="{FF2B5EF4-FFF2-40B4-BE49-F238E27FC236}">
-                <a16:creationId xmlns:a16="http://schemas.microsoft.com/office/drawing/2014/main" id="{92A1FDC1-8765-1744-520B-4875C984A29C}"/>
+                <a16:creationId xmlns:a16="http://schemas.microsoft.com/office/drawing/2014/main" id="{271312B1-1F5A-CD99-C06B-DC2C1A8A3202}"/>
               </a:ext>
             </a:extLst>
           </p:cNvPr>
@@ -488,7 +488,7 @@
           <p:cNvPr id="6" name="灯片编号占位符 5">
             <a:extLst>
               <a:ext uri="{FF2B5EF4-FFF2-40B4-BE49-F238E27FC236}">
-                <a16:creationId xmlns:a16="http://schemas.microsoft.com/office/drawing/2014/main" id="{2E16B977-1AF0-CD30-5BBE-A500EBBF865A}"/>
+                <a16:creationId xmlns:a16="http://schemas.microsoft.com/office/drawing/2014/main" id="{66921E30-A9D2-853A-FB0A-3738CB57D12E}"/>
               </a:ext>
             </a:extLst>
           </p:cNvPr>
@@ -504,7 +504,7 @@
           <a:bodyPr/>
           <a:lstStyle/>
           <a:p>
-            <a:fld id="{FFA207C4-1E40-4AE0-BCEB-D61B65E13D28}" type="slidenum">
+            <a:fld id="{27E4A81C-4C7D-4319-82BE-EE7117D0E001}" type="slidenum">
               <a:rPr lang="zh-CN" altLang="en-US" smtClean="0"/>
               <a:t>‹#›</a:t>
             </a:fld>
@@ -515,7 +515,7 @@
     </p:spTree>
     <p:extLst>
       <p:ext uri="{BB962C8B-B14F-4D97-AF65-F5344CB8AC3E}">
-        <p14:creationId xmlns:p14="http://schemas.microsoft.com/office/powerpoint/2010/main" val="2303460231"/>
+        <p14:creationId xmlns:p14="http://schemas.microsoft.com/office/powerpoint/2010/main" val="2325033301"/>
       </p:ext>
     </p:extLst>
   </p:cSld>
@@ -547,7 +547,7 @@
           <p:cNvPr id="2" name="竖排标题 1">
             <a:extLst>
               <a:ext uri="{FF2B5EF4-FFF2-40B4-BE49-F238E27FC236}">
-                <a16:creationId xmlns:a16="http://schemas.microsoft.com/office/drawing/2014/main" id="{CEE6E4F1-99E5-4A72-0828-442461DB180C}"/>
+                <a16:creationId xmlns:a16="http://schemas.microsoft.com/office/drawing/2014/main" id="{14F09F5F-D8B0-F599-2B95-076F1753FC1B}"/>
               </a:ext>
             </a:extLst>
           </p:cNvPr>
@@ -580,7 +580,7 @@
           <p:cNvPr id="3" name="竖排文字占位符 2">
             <a:extLst>
               <a:ext uri="{FF2B5EF4-FFF2-40B4-BE49-F238E27FC236}">
-                <a16:creationId xmlns:a16="http://schemas.microsoft.com/office/drawing/2014/main" id="{2BB38F09-6DAC-24B2-58F7-E3F6CC399A69}"/>
+                <a16:creationId xmlns:a16="http://schemas.microsoft.com/office/drawing/2014/main" id="{9C024677-5FB0-E92E-685C-A2DE3EFB3B1A}"/>
               </a:ext>
             </a:extLst>
           </p:cNvPr>
@@ -642,7 +642,7 @@
           <p:cNvPr id="4" name="日期占位符 3">
             <a:extLst>
               <a:ext uri="{FF2B5EF4-FFF2-40B4-BE49-F238E27FC236}">
-                <a16:creationId xmlns:a16="http://schemas.microsoft.com/office/drawing/2014/main" id="{636B26E2-9AB4-BDF6-73AC-79BA0FF7FCC7}"/>
+                <a16:creationId xmlns:a16="http://schemas.microsoft.com/office/drawing/2014/main" id="{73ADA999-E74B-095A-B95D-48C6862BC8D2}"/>
               </a:ext>
             </a:extLst>
           </p:cNvPr>
@@ -658,7 +658,7 @@
           <a:bodyPr/>
           <a:lstStyle/>
           <a:p>
-            <a:fld id="{1E725B63-1F29-44DE-A66A-62DEE4AC1FF9}" type="datetimeFigureOut">
+            <a:fld id="{DED1EF7F-25F0-47C9-90B5-AB12806FA1BE}" type="datetimeFigureOut">
               <a:rPr lang="zh-CN" altLang="en-US" smtClean="0"/>
               <a:t>2024/3/10</a:t>
             </a:fld>
@@ -671,7 +671,7 @@
           <p:cNvPr id="5" name="页脚占位符 4">
             <a:extLst>
               <a:ext uri="{FF2B5EF4-FFF2-40B4-BE49-F238E27FC236}">
-                <a16:creationId xmlns:a16="http://schemas.microsoft.com/office/drawing/2014/main" id="{535138D3-E001-23C8-3D9D-99B2E6F1D5D5}"/>
+                <a16:creationId xmlns:a16="http://schemas.microsoft.com/office/drawing/2014/main" id="{C617B2C1-4944-72B3-385A-FD982BD005F7}"/>
               </a:ext>
             </a:extLst>
           </p:cNvPr>
@@ -696,7 +696,7 @@
           <p:cNvPr id="6" name="灯片编号占位符 5">
             <a:extLst>
               <a:ext uri="{FF2B5EF4-FFF2-40B4-BE49-F238E27FC236}">
-                <a16:creationId xmlns:a16="http://schemas.microsoft.com/office/drawing/2014/main" id="{A7EA7D50-4D41-3527-FB8E-58349A54C6D2}"/>
+                <a16:creationId xmlns:a16="http://schemas.microsoft.com/office/drawing/2014/main" id="{82DC8BCC-52BF-0B85-D79A-2B1322A86BFD}"/>
               </a:ext>
             </a:extLst>
           </p:cNvPr>
@@ -712,7 +712,7 @@
           <a:bodyPr/>
           <a:lstStyle/>
           <a:p>
-            <a:fld id="{FFA207C4-1E40-4AE0-BCEB-D61B65E13D28}" type="slidenum">
+            <a:fld id="{27E4A81C-4C7D-4319-82BE-EE7117D0E001}" type="slidenum">
               <a:rPr lang="zh-CN" altLang="en-US" smtClean="0"/>
               <a:t>‹#›</a:t>
             </a:fld>
@@ -723,7 +723,7 @@
     </p:spTree>
     <p:extLst>
       <p:ext uri="{BB962C8B-B14F-4D97-AF65-F5344CB8AC3E}">
-        <p14:creationId xmlns:p14="http://schemas.microsoft.com/office/powerpoint/2010/main" val="2354614194"/>
+        <p14:creationId xmlns:p14="http://schemas.microsoft.com/office/powerpoint/2010/main" val="3704152598"/>
       </p:ext>
     </p:extLst>
   </p:cSld>
@@ -755,7 +755,7 @@
           <p:cNvPr id="2" name="标题 1">
             <a:extLst>
               <a:ext uri="{FF2B5EF4-FFF2-40B4-BE49-F238E27FC236}">
-                <a16:creationId xmlns:a16="http://schemas.microsoft.com/office/drawing/2014/main" id="{DB252942-7A50-7395-55B2-C2B270C2A398}"/>
+                <a16:creationId xmlns:a16="http://schemas.microsoft.com/office/drawing/2014/main" id="{CBA13050-3D21-EE4A-E1FC-26AB2A661932}"/>
               </a:ext>
             </a:extLst>
           </p:cNvPr>
@@ -783,7 +783,7 @@
           <p:cNvPr id="3" name="内容占位符 2">
             <a:extLst>
               <a:ext uri="{FF2B5EF4-FFF2-40B4-BE49-F238E27FC236}">
-                <a16:creationId xmlns:a16="http://schemas.microsoft.com/office/drawing/2014/main" id="{420796B8-FAB4-3432-1DCD-256F4CF7B21D}"/>
+                <a16:creationId xmlns:a16="http://schemas.microsoft.com/office/drawing/2014/main" id="{E7E55421-0220-FDBD-5C5E-E2D20EC99D73}"/>
               </a:ext>
             </a:extLst>
           </p:cNvPr>
@@ -840,7 +840,7 @@
           <p:cNvPr id="4" name="日期占位符 3">
             <a:extLst>
               <a:ext uri="{FF2B5EF4-FFF2-40B4-BE49-F238E27FC236}">
-                <a16:creationId xmlns:a16="http://schemas.microsoft.com/office/drawing/2014/main" id="{C734C14F-B5AC-DBC3-4870-E0F70BC528D1}"/>
+                <a16:creationId xmlns:a16="http://schemas.microsoft.com/office/drawing/2014/main" id="{31596E95-D372-4A2E-AB5B-F689BCF74B39}"/>
               </a:ext>
             </a:extLst>
           </p:cNvPr>
@@ -856,7 +856,7 @@
           <a:bodyPr/>
           <a:lstStyle/>
           <a:p>
-            <a:fld id="{1E725B63-1F29-44DE-A66A-62DEE4AC1FF9}" type="datetimeFigureOut">
+            <a:fld id="{DED1EF7F-25F0-47C9-90B5-AB12806FA1BE}" type="datetimeFigureOut">
               <a:rPr lang="zh-CN" altLang="en-US" smtClean="0"/>
               <a:t>2024/3/10</a:t>
             </a:fld>
@@ -869,7 +869,7 @@
           <p:cNvPr id="5" name="页脚占位符 4">
             <a:extLst>
               <a:ext uri="{FF2B5EF4-FFF2-40B4-BE49-F238E27FC236}">
-                <a16:creationId xmlns:a16="http://schemas.microsoft.com/office/drawing/2014/main" id="{1D07437A-033F-70D3-70E0-7F31F55E62F4}"/>
+                <a16:creationId xmlns:a16="http://schemas.microsoft.com/office/drawing/2014/main" id="{00AD92C1-F541-7095-4943-CC2406A5882C}"/>
               </a:ext>
             </a:extLst>
           </p:cNvPr>
@@ -894,7 +894,7 @@
           <p:cNvPr id="6" name="灯片编号占位符 5">
             <a:extLst>
               <a:ext uri="{FF2B5EF4-FFF2-40B4-BE49-F238E27FC236}">
-                <a16:creationId xmlns:a16="http://schemas.microsoft.com/office/drawing/2014/main" id="{27C77B72-B9AA-3851-DF56-A139592DC448}"/>
+                <a16:creationId xmlns:a16="http://schemas.microsoft.com/office/drawing/2014/main" id="{37A04E84-0C3A-AC7A-9B9B-C1EA53FF4C91}"/>
               </a:ext>
             </a:extLst>
           </p:cNvPr>
@@ -910,7 +910,7 @@
           <a:bodyPr/>
           <a:lstStyle/>
           <a:p>
-            <a:fld id="{FFA207C4-1E40-4AE0-BCEB-D61B65E13D28}" type="slidenum">
+            <a:fld id="{27E4A81C-4C7D-4319-82BE-EE7117D0E001}" type="slidenum">
               <a:rPr lang="zh-CN" altLang="en-US" smtClean="0"/>
               <a:t>‹#›</a:t>
             </a:fld>
@@ -921,7 +921,7 @@
     </p:spTree>
     <p:extLst>
       <p:ext uri="{BB962C8B-B14F-4D97-AF65-F5344CB8AC3E}">
-        <p14:creationId xmlns:p14="http://schemas.microsoft.com/office/powerpoint/2010/main" val="3929298854"/>
+        <p14:creationId xmlns:p14="http://schemas.microsoft.com/office/powerpoint/2010/main" val="938064369"/>
       </p:ext>
     </p:extLst>
   </p:cSld>
@@ -953,7 +953,7 @@
           <p:cNvPr id="2" name="标题 1">
             <a:extLst>
               <a:ext uri="{FF2B5EF4-FFF2-40B4-BE49-F238E27FC236}">
-                <a16:creationId xmlns:a16="http://schemas.microsoft.com/office/drawing/2014/main" id="{3C8DDEF0-0788-3D23-23FA-760B4BF96008}"/>
+                <a16:creationId xmlns:a16="http://schemas.microsoft.com/office/drawing/2014/main" id="{56D58F8D-8A45-3A96-249A-B55AD9F7B668}"/>
               </a:ext>
             </a:extLst>
           </p:cNvPr>
@@ -990,7 +990,7 @@
           <p:cNvPr id="3" name="文本占位符 2">
             <a:extLst>
               <a:ext uri="{FF2B5EF4-FFF2-40B4-BE49-F238E27FC236}">
-                <a16:creationId xmlns:a16="http://schemas.microsoft.com/office/drawing/2014/main" id="{97AA7B30-39A9-136B-07CF-FC604336A400}"/>
+                <a16:creationId xmlns:a16="http://schemas.microsoft.com/office/drawing/2014/main" id="{1907D9F0-5AA0-FA13-7CE0-AB037A909F2A}"/>
               </a:ext>
             </a:extLst>
           </p:cNvPr>
@@ -1115,7 +1115,7 @@
           <p:cNvPr id="4" name="日期占位符 3">
             <a:extLst>
               <a:ext uri="{FF2B5EF4-FFF2-40B4-BE49-F238E27FC236}">
-                <a16:creationId xmlns:a16="http://schemas.microsoft.com/office/drawing/2014/main" id="{CD5D6722-0046-9CDD-B6DA-68B78D290838}"/>
+                <a16:creationId xmlns:a16="http://schemas.microsoft.com/office/drawing/2014/main" id="{1E37A95D-8D62-862E-7B65-E74DCF8876AB}"/>
               </a:ext>
             </a:extLst>
           </p:cNvPr>
@@ -1131,7 +1131,7 @@
           <a:bodyPr/>
           <a:lstStyle/>
           <a:p>
-            <a:fld id="{1E725B63-1F29-44DE-A66A-62DEE4AC1FF9}" type="datetimeFigureOut">
+            <a:fld id="{DED1EF7F-25F0-47C9-90B5-AB12806FA1BE}" type="datetimeFigureOut">
               <a:rPr lang="zh-CN" altLang="en-US" smtClean="0"/>
               <a:t>2024/3/10</a:t>
             </a:fld>
@@ -1144,7 +1144,7 @@
           <p:cNvPr id="5" name="页脚占位符 4">
             <a:extLst>
               <a:ext uri="{FF2B5EF4-FFF2-40B4-BE49-F238E27FC236}">
-                <a16:creationId xmlns:a16="http://schemas.microsoft.com/office/drawing/2014/main" id="{4E9579E9-60DC-F0A7-EBB2-A506EA7F51F1}"/>
+                <a16:creationId xmlns:a16="http://schemas.microsoft.com/office/drawing/2014/main" id="{E5F0F23F-F1E8-2EC5-3DC3-85AC6CA7BD68}"/>
               </a:ext>
             </a:extLst>
           </p:cNvPr>
@@ -1169,7 +1169,7 @@
           <p:cNvPr id="6" name="灯片编号占位符 5">
             <a:extLst>
               <a:ext uri="{FF2B5EF4-FFF2-40B4-BE49-F238E27FC236}">
-                <a16:creationId xmlns:a16="http://schemas.microsoft.com/office/drawing/2014/main" id="{89842CDE-C8C4-19DC-1514-3ED42BC72363}"/>
+                <a16:creationId xmlns:a16="http://schemas.microsoft.com/office/drawing/2014/main" id="{788BED70-9784-8FB0-5C32-31653F5635A6}"/>
               </a:ext>
             </a:extLst>
           </p:cNvPr>
@@ -1185,7 +1185,7 @@
           <a:bodyPr/>
           <a:lstStyle/>
           <a:p>
-            <a:fld id="{FFA207C4-1E40-4AE0-BCEB-D61B65E13D28}" type="slidenum">
+            <a:fld id="{27E4A81C-4C7D-4319-82BE-EE7117D0E001}" type="slidenum">
               <a:rPr lang="zh-CN" altLang="en-US" smtClean="0"/>
               <a:t>‹#›</a:t>
             </a:fld>
@@ -1196,7 +1196,7 @@
     </p:spTree>
     <p:extLst>
       <p:ext uri="{BB962C8B-B14F-4D97-AF65-F5344CB8AC3E}">
-        <p14:creationId xmlns:p14="http://schemas.microsoft.com/office/powerpoint/2010/main" val="1335934381"/>
+        <p14:creationId xmlns:p14="http://schemas.microsoft.com/office/powerpoint/2010/main" val="3965350276"/>
       </p:ext>
     </p:extLst>
   </p:cSld>
@@ -1228,7 +1228,7 @@
           <p:cNvPr id="2" name="标题 1">
             <a:extLst>
               <a:ext uri="{FF2B5EF4-FFF2-40B4-BE49-F238E27FC236}">
-                <a16:creationId xmlns:a16="http://schemas.microsoft.com/office/drawing/2014/main" id="{B02BC324-46F6-E8C3-42C7-F17D22D336F6}"/>
+                <a16:creationId xmlns:a16="http://schemas.microsoft.com/office/drawing/2014/main" id="{9E17E956-5F7F-29D1-02F6-1D16BC285284}"/>
               </a:ext>
             </a:extLst>
           </p:cNvPr>
@@ -1256,7 +1256,7 @@
           <p:cNvPr id="3" name="内容占位符 2">
             <a:extLst>
               <a:ext uri="{FF2B5EF4-FFF2-40B4-BE49-F238E27FC236}">
-                <a16:creationId xmlns:a16="http://schemas.microsoft.com/office/drawing/2014/main" id="{4A6C564B-B936-1C45-BA68-0216DFF7D7DC}"/>
+                <a16:creationId xmlns:a16="http://schemas.microsoft.com/office/drawing/2014/main" id="{D9D1E2F8-6CEE-9929-CAC5-2762EFA5AEC9}"/>
               </a:ext>
             </a:extLst>
           </p:cNvPr>
@@ -1318,7 +1318,7 @@
           <p:cNvPr id="4" name="内容占位符 3">
             <a:extLst>
               <a:ext uri="{FF2B5EF4-FFF2-40B4-BE49-F238E27FC236}">
-                <a16:creationId xmlns:a16="http://schemas.microsoft.com/office/drawing/2014/main" id="{986F9762-C24D-4921-26A7-B8FAA0849E12}"/>
+                <a16:creationId xmlns:a16="http://schemas.microsoft.com/office/drawing/2014/main" id="{E7188472-6988-F668-2E6A-A94D0F452CB2}"/>
               </a:ext>
             </a:extLst>
           </p:cNvPr>
@@ -1380,7 +1380,7 @@
           <p:cNvPr id="5" name="日期占位符 4">
             <a:extLst>
               <a:ext uri="{FF2B5EF4-FFF2-40B4-BE49-F238E27FC236}">
-                <a16:creationId xmlns:a16="http://schemas.microsoft.com/office/drawing/2014/main" id="{9B5AB70E-8D78-8C13-4704-57F29E31665A}"/>
+                <a16:creationId xmlns:a16="http://schemas.microsoft.com/office/drawing/2014/main" id="{62CFFC63-5B91-C4CD-5E49-8B70C9C0D738}"/>
               </a:ext>
             </a:extLst>
           </p:cNvPr>
@@ -1396,7 +1396,7 @@
           <a:bodyPr/>
           <a:lstStyle/>
           <a:p>
-            <a:fld id="{1E725B63-1F29-44DE-A66A-62DEE4AC1FF9}" type="datetimeFigureOut">
+            <a:fld id="{DED1EF7F-25F0-47C9-90B5-AB12806FA1BE}" type="datetimeFigureOut">
               <a:rPr lang="zh-CN" altLang="en-US" smtClean="0"/>
               <a:t>2024/3/10</a:t>
             </a:fld>
@@ -1409,7 +1409,7 @@
           <p:cNvPr id="6" name="页脚占位符 5">
             <a:extLst>
               <a:ext uri="{FF2B5EF4-FFF2-40B4-BE49-F238E27FC236}">
-                <a16:creationId xmlns:a16="http://schemas.microsoft.com/office/drawing/2014/main" id="{42E99B30-E84F-C4CB-140B-004FCC177D15}"/>
+                <a16:creationId xmlns:a16="http://schemas.microsoft.com/office/drawing/2014/main" id="{5205EF03-FCBB-066D-F68A-1A9740745478}"/>
               </a:ext>
             </a:extLst>
           </p:cNvPr>
@@ -1434,7 +1434,7 @@
           <p:cNvPr id="7" name="灯片编号占位符 6">
             <a:extLst>
               <a:ext uri="{FF2B5EF4-FFF2-40B4-BE49-F238E27FC236}">
-                <a16:creationId xmlns:a16="http://schemas.microsoft.com/office/drawing/2014/main" id="{3E01FC03-63A9-9323-64E2-331BF34EB2BE}"/>
+                <a16:creationId xmlns:a16="http://schemas.microsoft.com/office/drawing/2014/main" id="{C65F3819-917C-172B-49A3-E1E7F9202B63}"/>
               </a:ext>
             </a:extLst>
           </p:cNvPr>
@@ -1450,7 +1450,7 @@
           <a:bodyPr/>
           <a:lstStyle/>
           <a:p>
-            <a:fld id="{FFA207C4-1E40-4AE0-BCEB-D61B65E13D28}" type="slidenum">
+            <a:fld id="{27E4A81C-4C7D-4319-82BE-EE7117D0E001}" type="slidenum">
               <a:rPr lang="zh-CN" altLang="en-US" smtClean="0"/>
               <a:t>‹#›</a:t>
             </a:fld>
@@ -1461,7 +1461,7 @@
     </p:spTree>
     <p:extLst>
       <p:ext uri="{BB962C8B-B14F-4D97-AF65-F5344CB8AC3E}">
-        <p14:creationId xmlns:p14="http://schemas.microsoft.com/office/powerpoint/2010/main" val="2610848821"/>
+        <p14:creationId xmlns:p14="http://schemas.microsoft.com/office/powerpoint/2010/main" val="1479153541"/>
       </p:ext>
     </p:extLst>
   </p:cSld>
@@ -1493,7 +1493,7 @@
           <p:cNvPr id="2" name="标题 1">
             <a:extLst>
               <a:ext uri="{FF2B5EF4-FFF2-40B4-BE49-F238E27FC236}">
-                <a16:creationId xmlns:a16="http://schemas.microsoft.com/office/drawing/2014/main" id="{324B53D1-CBC2-C062-A3E4-25FBE4683213}"/>
+                <a16:creationId xmlns:a16="http://schemas.microsoft.com/office/drawing/2014/main" id="{81139B66-57BB-91CF-8799-A835503A8A20}"/>
               </a:ext>
             </a:extLst>
           </p:cNvPr>
@@ -1526,7 +1526,7 @@
           <p:cNvPr id="3" name="文本占位符 2">
             <a:extLst>
               <a:ext uri="{FF2B5EF4-FFF2-40B4-BE49-F238E27FC236}">
-                <a16:creationId xmlns:a16="http://schemas.microsoft.com/office/drawing/2014/main" id="{31250EA7-A4CE-169F-07F7-A6E853C965FB}"/>
+                <a16:creationId xmlns:a16="http://schemas.microsoft.com/office/drawing/2014/main" id="{BC298B95-1F9D-E6D5-BB1F-BC9205E943B0}"/>
               </a:ext>
             </a:extLst>
           </p:cNvPr>
@@ -1597,7 +1597,7 @@
           <p:cNvPr id="4" name="内容占位符 3">
             <a:extLst>
               <a:ext uri="{FF2B5EF4-FFF2-40B4-BE49-F238E27FC236}">
-                <a16:creationId xmlns:a16="http://schemas.microsoft.com/office/drawing/2014/main" id="{395C26A3-8430-E0F7-F25F-FA4B013C7637}"/>
+                <a16:creationId xmlns:a16="http://schemas.microsoft.com/office/drawing/2014/main" id="{4A58A8CA-8F6C-9E38-7922-1881C612A7C7}"/>
               </a:ext>
             </a:extLst>
           </p:cNvPr>
@@ -1659,7 +1659,7 @@
           <p:cNvPr id="5" name="文本占位符 4">
             <a:extLst>
               <a:ext uri="{FF2B5EF4-FFF2-40B4-BE49-F238E27FC236}">
-                <a16:creationId xmlns:a16="http://schemas.microsoft.com/office/drawing/2014/main" id="{D263E5AD-A383-EC53-7A41-0C51EA07FF40}"/>
+                <a16:creationId xmlns:a16="http://schemas.microsoft.com/office/drawing/2014/main" id="{9346A9E2-3A3A-7B25-04FD-71F3E37C8A8E}"/>
               </a:ext>
             </a:extLst>
           </p:cNvPr>
@@ -1730,7 +1730,7 @@
           <p:cNvPr id="6" name="内容占位符 5">
             <a:extLst>
               <a:ext uri="{FF2B5EF4-FFF2-40B4-BE49-F238E27FC236}">
-                <a16:creationId xmlns:a16="http://schemas.microsoft.com/office/drawing/2014/main" id="{3FB5BDF8-0377-5F0E-B00D-2515DC8CD3DE}"/>
+                <a16:creationId xmlns:a16="http://schemas.microsoft.com/office/drawing/2014/main" id="{FDED452F-566A-5EEE-E97C-4EF54299FB68}"/>
               </a:ext>
             </a:extLst>
           </p:cNvPr>
@@ -1792,7 +1792,7 @@
           <p:cNvPr id="7" name="日期占位符 6">
             <a:extLst>
               <a:ext uri="{FF2B5EF4-FFF2-40B4-BE49-F238E27FC236}">
-                <a16:creationId xmlns:a16="http://schemas.microsoft.com/office/drawing/2014/main" id="{FBCC6A85-FC84-37A8-043A-9D1BF2D766BC}"/>
+                <a16:creationId xmlns:a16="http://schemas.microsoft.com/office/drawing/2014/main" id="{25774CB8-A15B-28F2-1700-44C1661FAE9D}"/>
               </a:ext>
             </a:extLst>
           </p:cNvPr>
@@ -1808,7 +1808,7 @@
           <a:bodyPr/>
           <a:lstStyle/>
           <a:p>
-            <a:fld id="{1E725B63-1F29-44DE-A66A-62DEE4AC1FF9}" type="datetimeFigureOut">
+            <a:fld id="{DED1EF7F-25F0-47C9-90B5-AB12806FA1BE}" type="datetimeFigureOut">
               <a:rPr lang="zh-CN" altLang="en-US" smtClean="0"/>
               <a:t>2024/3/10</a:t>
             </a:fld>
@@ -1821,7 +1821,7 @@
           <p:cNvPr id="8" name="页脚占位符 7">
             <a:extLst>
               <a:ext uri="{FF2B5EF4-FFF2-40B4-BE49-F238E27FC236}">
-                <a16:creationId xmlns:a16="http://schemas.microsoft.com/office/drawing/2014/main" id="{FAFE8CCA-9C31-D16D-B4E9-5EA170A785A3}"/>
+                <a16:creationId xmlns:a16="http://schemas.microsoft.com/office/drawing/2014/main" id="{030B99C1-55AA-118D-1941-2F4DD6C11D20}"/>
               </a:ext>
             </a:extLst>
           </p:cNvPr>
@@ -1846,7 +1846,7 @@
           <p:cNvPr id="9" name="灯片编号占位符 8">
             <a:extLst>
               <a:ext uri="{FF2B5EF4-FFF2-40B4-BE49-F238E27FC236}">
-                <a16:creationId xmlns:a16="http://schemas.microsoft.com/office/drawing/2014/main" id="{4D7C3E8F-BF46-5D3D-D869-E0C0C1DED59E}"/>
+                <a16:creationId xmlns:a16="http://schemas.microsoft.com/office/drawing/2014/main" id="{B42CFDBF-5808-5EB0-6389-B4631239446C}"/>
               </a:ext>
             </a:extLst>
           </p:cNvPr>
@@ -1862,7 +1862,7 @@
           <a:bodyPr/>
           <a:lstStyle/>
           <a:p>
-            <a:fld id="{FFA207C4-1E40-4AE0-BCEB-D61B65E13D28}" type="slidenum">
+            <a:fld id="{27E4A81C-4C7D-4319-82BE-EE7117D0E001}" type="slidenum">
               <a:rPr lang="zh-CN" altLang="en-US" smtClean="0"/>
               <a:t>‹#›</a:t>
             </a:fld>
@@ -1873,7 +1873,7 @@
     </p:spTree>
     <p:extLst>
       <p:ext uri="{BB962C8B-B14F-4D97-AF65-F5344CB8AC3E}">
-        <p14:creationId xmlns:p14="http://schemas.microsoft.com/office/powerpoint/2010/main" val="108033529"/>
+        <p14:creationId xmlns:p14="http://schemas.microsoft.com/office/powerpoint/2010/main" val="1498480158"/>
       </p:ext>
     </p:extLst>
   </p:cSld>
@@ -1905,7 +1905,7 @@
           <p:cNvPr id="2" name="标题 1">
             <a:extLst>
               <a:ext uri="{FF2B5EF4-FFF2-40B4-BE49-F238E27FC236}">
-                <a16:creationId xmlns:a16="http://schemas.microsoft.com/office/drawing/2014/main" id="{83176F2C-1685-81F9-B561-AEE0735CD841}"/>
+                <a16:creationId xmlns:a16="http://schemas.microsoft.com/office/drawing/2014/main" id="{96C633E0-6A40-2306-A02D-82F94ECA6FD4}"/>
               </a:ext>
             </a:extLst>
           </p:cNvPr>
@@ -1933,7 +1933,7 @@
           <p:cNvPr id="3" name="日期占位符 2">
             <a:extLst>
               <a:ext uri="{FF2B5EF4-FFF2-40B4-BE49-F238E27FC236}">
-                <a16:creationId xmlns:a16="http://schemas.microsoft.com/office/drawing/2014/main" id="{2CEF4E67-C9E9-1C85-748C-220D46F51147}"/>
+                <a16:creationId xmlns:a16="http://schemas.microsoft.com/office/drawing/2014/main" id="{554A8E4F-039D-BEB6-A88B-2C839CCD36FC}"/>
               </a:ext>
             </a:extLst>
           </p:cNvPr>
@@ -1949,7 +1949,7 @@
           <a:bodyPr/>
           <a:lstStyle/>
           <a:p>
-            <a:fld id="{1E725B63-1F29-44DE-A66A-62DEE4AC1FF9}" type="datetimeFigureOut">
+            <a:fld id="{DED1EF7F-25F0-47C9-90B5-AB12806FA1BE}" type="datetimeFigureOut">
               <a:rPr lang="zh-CN" altLang="en-US" smtClean="0"/>
               <a:t>2024/3/10</a:t>
             </a:fld>
@@ -1962,7 +1962,7 @@
           <p:cNvPr id="4" name="页脚占位符 3">
             <a:extLst>
               <a:ext uri="{FF2B5EF4-FFF2-40B4-BE49-F238E27FC236}">
-                <a16:creationId xmlns:a16="http://schemas.microsoft.com/office/drawing/2014/main" id="{701E0261-D794-D121-E2A8-AFC129E642F0}"/>
+                <a16:creationId xmlns:a16="http://schemas.microsoft.com/office/drawing/2014/main" id="{785378ED-D779-0468-F782-ED31338955AE}"/>
               </a:ext>
             </a:extLst>
           </p:cNvPr>
@@ -1987,7 +1987,7 @@
           <p:cNvPr id="5" name="灯片编号占位符 4">
             <a:extLst>
               <a:ext uri="{FF2B5EF4-FFF2-40B4-BE49-F238E27FC236}">
-                <a16:creationId xmlns:a16="http://schemas.microsoft.com/office/drawing/2014/main" id="{1608A197-EF09-1865-27FB-F775C4E17AC3}"/>
+                <a16:creationId xmlns:a16="http://schemas.microsoft.com/office/drawing/2014/main" id="{B9D83D2C-D7CA-9CA8-461F-A6159EA232B0}"/>
               </a:ext>
             </a:extLst>
           </p:cNvPr>
@@ -2003,7 +2003,7 @@
           <a:bodyPr/>
           <a:lstStyle/>
           <a:p>
-            <a:fld id="{FFA207C4-1E40-4AE0-BCEB-D61B65E13D28}" type="slidenum">
+            <a:fld id="{27E4A81C-4C7D-4319-82BE-EE7117D0E001}" type="slidenum">
               <a:rPr lang="zh-CN" altLang="en-US" smtClean="0"/>
               <a:t>‹#›</a:t>
             </a:fld>
@@ -2014,7 +2014,7 @@
     </p:spTree>
     <p:extLst>
       <p:ext uri="{BB962C8B-B14F-4D97-AF65-F5344CB8AC3E}">
-        <p14:creationId xmlns:p14="http://schemas.microsoft.com/office/powerpoint/2010/main" val="4237847556"/>
+        <p14:creationId xmlns:p14="http://schemas.microsoft.com/office/powerpoint/2010/main" val="2791026093"/>
       </p:ext>
     </p:extLst>
   </p:cSld>
@@ -2046,7 +2046,7 @@
           <p:cNvPr id="2" name="日期占位符 1">
             <a:extLst>
               <a:ext uri="{FF2B5EF4-FFF2-40B4-BE49-F238E27FC236}">
-                <a16:creationId xmlns:a16="http://schemas.microsoft.com/office/drawing/2014/main" id="{B3C2085B-E836-5798-04AD-0D84A01C3025}"/>
+                <a16:creationId xmlns:a16="http://schemas.microsoft.com/office/drawing/2014/main" id="{7E4E16AF-34F3-9DE8-514F-89C9FFE4CA29}"/>
               </a:ext>
             </a:extLst>
           </p:cNvPr>
@@ -2062,7 +2062,7 @@
           <a:bodyPr/>
           <a:lstStyle/>
           <a:p>
-            <a:fld id="{1E725B63-1F29-44DE-A66A-62DEE4AC1FF9}" type="datetimeFigureOut">
+            <a:fld id="{DED1EF7F-25F0-47C9-90B5-AB12806FA1BE}" type="datetimeFigureOut">
               <a:rPr lang="zh-CN" altLang="en-US" smtClean="0"/>
               <a:t>2024/3/10</a:t>
             </a:fld>
@@ -2075,7 +2075,7 @@
           <p:cNvPr id="3" name="页脚占位符 2">
             <a:extLst>
               <a:ext uri="{FF2B5EF4-FFF2-40B4-BE49-F238E27FC236}">
-                <a16:creationId xmlns:a16="http://schemas.microsoft.com/office/drawing/2014/main" id="{0C91050E-866F-7121-492F-33D5766BBC8E}"/>
+                <a16:creationId xmlns:a16="http://schemas.microsoft.com/office/drawing/2014/main" id="{29EDEA9F-55F5-6DB2-ACCD-D7CD7DE72A15}"/>
               </a:ext>
             </a:extLst>
           </p:cNvPr>
@@ -2100,7 +2100,7 @@
           <p:cNvPr id="4" name="灯片编号占位符 3">
             <a:extLst>
               <a:ext uri="{FF2B5EF4-FFF2-40B4-BE49-F238E27FC236}">
-                <a16:creationId xmlns:a16="http://schemas.microsoft.com/office/drawing/2014/main" id="{FBFA2F2E-6A11-67AA-C25C-4740D2193046}"/>
+                <a16:creationId xmlns:a16="http://schemas.microsoft.com/office/drawing/2014/main" id="{E5F13798-7593-FA52-46B2-53E0D507DCBB}"/>
               </a:ext>
             </a:extLst>
           </p:cNvPr>
@@ -2116,7 +2116,7 @@
           <a:bodyPr/>
           <a:lstStyle/>
           <a:p>
-            <a:fld id="{FFA207C4-1E40-4AE0-BCEB-D61B65E13D28}" type="slidenum">
+            <a:fld id="{27E4A81C-4C7D-4319-82BE-EE7117D0E001}" type="slidenum">
               <a:rPr lang="zh-CN" altLang="en-US" smtClean="0"/>
               <a:t>‹#›</a:t>
             </a:fld>
@@ -2127,7 +2127,7 @@
     </p:spTree>
     <p:extLst>
       <p:ext uri="{BB962C8B-B14F-4D97-AF65-F5344CB8AC3E}">
-        <p14:creationId xmlns:p14="http://schemas.microsoft.com/office/powerpoint/2010/main" val="3133457409"/>
+        <p14:creationId xmlns:p14="http://schemas.microsoft.com/office/powerpoint/2010/main" val="588867596"/>
       </p:ext>
     </p:extLst>
   </p:cSld>
@@ -2159,7 +2159,7 @@
           <p:cNvPr id="2" name="标题 1">
             <a:extLst>
               <a:ext uri="{FF2B5EF4-FFF2-40B4-BE49-F238E27FC236}">
-                <a16:creationId xmlns:a16="http://schemas.microsoft.com/office/drawing/2014/main" id="{FDABE086-EB03-C740-F511-55C389EA88B8}"/>
+                <a16:creationId xmlns:a16="http://schemas.microsoft.com/office/drawing/2014/main" id="{83ECD5D6-37B2-66DC-2FEE-AF6B264659D6}"/>
               </a:ext>
             </a:extLst>
           </p:cNvPr>
@@ -2196,7 +2196,7 @@
           <p:cNvPr id="3" name="内容占位符 2">
             <a:extLst>
               <a:ext uri="{FF2B5EF4-FFF2-40B4-BE49-F238E27FC236}">
-                <a16:creationId xmlns:a16="http://schemas.microsoft.com/office/drawing/2014/main" id="{258E9873-0714-664F-E35E-11AE2915EC0C}"/>
+                <a16:creationId xmlns:a16="http://schemas.microsoft.com/office/drawing/2014/main" id="{9DA90721-706F-4D87-444F-7D4AF072C27D}"/>
               </a:ext>
             </a:extLst>
           </p:cNvPr>
@@ -2286,7 +2286,7 @@
           <p:cNvPr id="4" name="文本占位符 3">
             <a:extLst>
               <a:ext uri="{FF2B5EF4-FFF2-40B4-BE49-F238E27FC236}">
-                <a16:creationId xmlns:a16="http://schemas.microsoft.com/office/drawing/2014/main" id="{CFFAC8B2-20F2-23A8-7235-47E24B9BA54E}"/>
+                <a16:creationId xmlns:a16="http://schemas.microsoft.com/office/drawing/2014/main" id="{C471B8A6-F7E3-3A20-D0C5-BD757FA71CF8}"/>
               </a:ext>
             </a:extLst>
           </p:cNvPr>
@@ -2357,7 +2357,7 @@
           <p:cNvPr id="5" name="日期占位符 4">
             <a:extLst>
               <a:ext uri="{FF2B5EF4-FFF2-40B4-BE49-F238E27FC236}">
-                <a16:creationId xmlns:a16="http://schemas.microsoft.com/office/drawing/2014/main" id="{DDFA5C50-C379-D906-49D6-5EF5C23E0DAA}"/>
+                <a16:creationId xmlns:a16="http://schemas.microsoft.com/office/drawing/2014/main" id="{E194FD8F-AC4E-FC6B-B25A-C39323D2625E}"/>
               </a:ext>
             </a:extLst>
           </p:cNvPr>
@@ -2373,7 +2373,7 @@
           <a:bodyPr/>
           <a:lstStyle/>
           <a:p>
-            <a:fld id="{1E725B63-1F29-44DE-A66A-62DEE4AC1FF9}" type="datetimeFigureOut">
+            <a:fld id="{DED1EF7F-25F0-47C9-90B5-AB12806FA1BE}" type="datetimeFigureOut">
               <a:rPr lang="zh-CN" altLang="en-US" smtClean="0"/>
               <a:t>2024/3/10</a:t>
             </a:fld>
@@ -2386,7 +2386,7 @@
           <p:cNvPr id="6" name="页脚占位符 5">
             <a:extLst>
               <a:ext uri="{FF2B5EF4-FFF2-40B4-BE49-F238E27FC236}">
-                <a16:creationId xmlns:a16="http://schemas.microsoft.com/office/drawing/2014/main" id="{00B8DD74-8F3B-04A0-24F7-318D6FEB01F4}"/>
+                <a16:creationId xmlns:a16="http://schemas.microsoft.com/office/drawing/2014/main" id="{5B15C4C0-A5D2-665C-F32F-EFA88B681445}"/>
               </a:ext>
             </a:extLst>
           </p:cNvPr>
@@ -2411,7 +2411,7 @@
           <p:cNvPr id="7" name="灯片编号占位符 6">
             <a:extLst>
               <a:ext uri="{FF2B5EF4-FFF2-40B4-BE49-F238E27FC236}">
-                <a16:creationId xmlns:a16="http://schemas.microsoft.com/office/drawing/2014/main" id="{ABA7F99C-F6C3-B6DD-A435-D39858291F87}"/>
+                <a16:creationId xmlns:a16="http://schemas.microsoft.com/office/drawing/2014/main" id="{F134D549-2EDF-142D-2351-A0FAF7A271CC}"/>
               </a:ext>
             </a:extLst>
           </p:cNvPr>
@@ -2427,7 +2427,7 @@
           <a:bodyPr/>
           <a:lstStyle/>
           <a:p>
-            <a:fld id="{FFA207C4-1E40-4AE0-BCEB-D61B65E13D28}" type="slidenum">
+            <a:fld id="{27E4A81C-4C7D-4319-82BE-EE7117D0E001}" type="slidenum">
               <a:rPr lang="zh-CN" altLang="en-US" smtClean="0"/>
               <a:t>‹#›</a:t>
             </a:fld>
@@ -2438,7 +2438,7 @@
     </p:spTree>
     <p:extLst>
       <p:ext uri="{BB962C8B-B14F-4D97-AF65-F5344CB8AC3E}">
-        <p14:creationId xmlns:p14="http://schemas.microsoft.com/office/powerpoint/2010/main" val="3771999028"/>
+        <p14:creationId xmlns:p14="http://schemas.microsoft.com/office/powerpoint/2010/main" val="464731207"/>
       </p:ext>
     </p:extLst>
   </p:cSld>
@@ -2470,7 +2470,7 @@
           <p:cNvPr id="2" name="标题 1">
             <a:extLst>
               <a:ext uri="{FF2B5EF4-FFF2-40B4-BE49-F238E27FC236}">
-                <a16:creationId xmlns:a16="http://schemas.microsoft.com/office/drawing/2014/main" id="{EBCF30DF-DA20-CE02-B5B7-7B1B5D238098}"/>
+                <a16:creationId xmlns:a16="http://schemas.microsoft.com/office/drawing/2014/main" id="{94BE5B01-589E-313A-A0CA-C127018B3A12}"/>
               </a:ext>
             </a:extLst>
           </p:cNvPr>
@@ -2507,7 +2507,7 @@
           <p:cNvPr id="3" name="图片占位符 2">
             <a:extLst>
               <a:ext uri="{FF2B5EF4-FFF2-40B4-BE49-F238E27FC236}">
-                <a16:creationId xmlns:a16="http://schemas.microsoft.com/office/drawing/2014/main" id="{0A3CDDEC-9117-24B0-FFF9-684DD52CC87C}"/>
+                <a16:creationId xmlns:a16="http://schemas.microsoft.com/office/drawing/2014/main" id="{ED8AC845-8012-965D-E8C8-7FBD542A1972}"/>
               </a:ext>
             </a:extLst>
           </p:cNvPr>
@@ -2574,7 +2574,7 @@
           <p:cNvPr id="4" name="文本占位符 3">
             <a:extLst>
               <a:ext uri="{FF2B5EF4-FFF2-40B4-BE49-F238E27FC236}">
-                <a16:creationId xmlns:a16="http://schemas.microsoft.com/office/drawing/2014/main" id="{D1960B7F-1C59-4717-1480-E42DDEC758E5}"/>
+                <a16:creationId xmlns:a16="http://schemas.microsoft.com/office/drawing/2014/main" id="{A86E5887-7DE3-FF20-7542-B84714C0357F}"/>
               </a:ext>
             </a:extLst>
           </p:cNvPr>
@@ -2645,7 +2645,7 @@
           <p:cNvPr id="5" name="日期占位符 4">
             <a:extLst>
               <a:ext uri="{FF2B5EF4-FFF2-40B4-BE49-F238E27FC236}">
-                <a16:creationId xmlns:a16="http://schemas.microsoft.com/office/drawing/2014/main" id="{0D56D89B-4648-12B6-DB02-7C138ABEAAF9}"/>
+                <a16:creationId xmlns:a16="http://schemas.microsoft.com/office/drawing/2014/main" id="{5B93E6B4-091C-0E57-9B26-DDF4149462F1}"/>
               </a:ext>
             </a:extLst>
           </p:cNvPr>
@@ -2661,7 +2661,7 @@
           <a:bodyPr/>
           <a:lstStyle/>
           <a:p>
-            <a:fld id="{1E725B63-1F29-44DE-A66A-62DEE4AC1FF9}" type="datetimeFigureOut">
+            <a:fld id="{DED1EF7F-25F0-47C9-90B5-AB12806FA1BE}" type="datetimeFigureOut">
               <a:rPr lang="zh-CN" altLang="en-US" smtClean="0"/>
               <a:t>2024/3/10</a:t>
             </a:fld>
@@ -2674,7 +2674,7 @@
           <p:cNvPr id="6" name="页脚占位符 5">
             <a:extLst>
               <a:ext uri="{FF2B5EF4-FFF2-40B4-BE49-F238E27FC236}">
-                <a16:creationId xmlns:a16="http://schemas.microsoft.com/office/drawing/2014/main" id="{65B4A98A-C950-E3CE-72FE-FFDF48F71737}"/>
+                <a16:creationId xmlns:a16="http://schemas.microsoft.com/office/drawing/2014/main" id="{266D3705-7D2C-7038-E08C-A1E62E869ED9}"/>
               </a:ext>
             </a:extLst>
           </p:cNvPr>
@@ -2699,7 +2699,7 @@
           <p:cNvPr id="7" name="灯片编号占位符 6">
             <a:extLst>
               <a:ext uri="{FF2B5EF4-FFF2-40B4-BE49-F238E27FC236}">
-                <a16:creationId xmlns:a16="http://schemas.microsoft.com/office/drawing/2014/main" id="{6F632C14-60E6-FF37-302E-7E773D50E08F}"/>
+                <a16:creationId xmlns:a16="http://schemas.microsoft.com/office/drawing/2014/main" id="{6C951048-5F79-5F8A-8274-470E10E8620A}"/>
               </a:ext>
             </a:extLst>
           </p:cNvPr>
@@ -2715,7 +2715,7 @@
           <a:bodyPr/>
           <a:lstStyle/>
           <a:p>
-            <a:fld id="{FFA207C4-1E40-4AE0-BCEB-D61B65E13D28}" type="slidenum">
+            <a:fld id="{27E4A81C-4C7D-4319-82BE-EE7117D0E001}" type="slidenum">
               <a:rPr lang="zh-CN" altLang="en-US" smtClean="0"/>
               <a:t>‹#›</a:t>
             </a:fld>
@@ -2726,7 +2726,7 @@
     </p:spTree>
     <p:extLst>
       <p:ext uri="{BB962C8B-B14F-4D97-AF65-F5344CB8AC3E}">
-        <p14:creationId xmlns:p14="http://schemas.microsoft.com/office/powerpoint/2010/main" val="3815819719"/>
+        <p14:creationId xmlns:p14="http://schemas.microsoft.com/office/powerpoint/2010/main" val="2534162683"/>
       </p:ext>
     </p:extLst>
   </p:cSld>
@@ -2763,7 +2763,7 @@
           <p:cNvPr id="2" name="标题占位符 1">
             <a:extLst>
               <a:ext uri="{FF2B5EF4-FFF2-40B4-BE49-F238E27FC236}">
-                <a16:creationId xmlns:a16="http://schemas.microsoft.com/office/drawing/2014/main" id="{9BF0C8A1-032D-4FCA-B275-3A0F5867E4BA}"/>
+                <a16:creationId xmlns:a16="http://schemas.microsoft.com/office/drawing/2014/main" id="{C1FFDC51-E951-3F5D-F229-FFA14B12923E}"/>
               </a:ext>
             </a:extLst>
           </p:cNvPr>
@@ -2801,7 +2801,7 @@
           <p:cNvPr id="3" name="文本占位符 2">
             <a:extLst>
               <a:ext uri="{FF2B5EF4-FFF2-40B4-BE49-F238E27FC236}">
-                <a16:creationId xmlns:a16="http://schemas.microsoft.com/office/drawing/2014/main" id="{0D48A42D-7179-11BE-FC5F-6FC018904001}"/>
+                <a16:creationId xmlns:a16="http://schemas.microsoft.com/office/drawing/2014/main" id="{911A1562-0586-89FE-97C2-F951E65DBE5F}"/>
               </a:ext>
             </a:extLst>
           </p:cNvPr>
@@ -2868,7 +2868,7 @@
           <p:cNvPr id="4" name="日期占位符 3">
             <a:extLst>
               <a:ext uri="{FF2B5EF4-FFF2-40B4-BE49-F238E27FC236}">
-                <a16:creationId xmlns:a16="http://schemas.microsoft.com/office/drawing/2014/main" id="{75E421C2-097E-3890-3448-F9AAED2C5806}"/>
+                <a16:creationId xmlns:a16="http://schemas.microsoft.com/office/drawing/2014/main" id="{1B63F901-89E2-2EDC-9724-F4A8ABAAF11B}"/>
               </a:ext>
             </a:extLst>
           </p:cNvPr>
@@ -2902,7 +2902,7 @@
             </a:lvl1pPr>
           </a:lstStyle>
           <a:p>
-            <a:fld id="{1E725B63-1F29-44DE-A66A-62DEE4AC1FF9}" type="datetimeFigureOut">
+            <a:fld id="{DED1EF7F-25F0-47C9-90B5-AB12806FA1BE}" type="datetimeFigureOut">
               <a:rPr lang="zh-CN" altLang="en-US" smtClean="0"/>
               <a:t>2024/3/10</a:t>
             </a:fld>
@@ -2915,7 +2915,7 @@
           <p:cNvPr id="5" name="页脚占位符 4">
             <a:extLst>
               <a:ext uri="{FF2B5EF4-FFF2-40B4-BE49-F238E27FC236}">
-                <a16:creationId xmlns:a16="http://schemas.microsoft.com/office/drawing/2014/main" id="{4C6B882B-A717-3F98-4DFC-B826ECB5F294}"/>
+                <a16:creationId xmlns:a16="http://schemas.microsoft.com/office/drawing/2014/main" id="{C50A1AF2-BC02-0CAA-7415-6181EAFFE490}"/>
               </a:ext>
             </a:extLst>
           </p:cNvPr>
@@ -2958,7 +2958,7 @@
           <p:cNvPr id="6" name="灯片编号占位符 5">
             <a:extLst>
               <a:ext uri="{FF2B5EF4-FFF2-40B4-BE49-F238E27FC236}">
-                <a16:creationId xmlns:a16="http://schemas.microsoft.com/office/drawing/2014/main" id="{8620DF92-48A9-8067-DDB8-4CC66C3120EE}"/>
+                <a16:creationId xmlns:a16="http://schemas.microsoft.com/office/drawing/2014/main" id="{9E53ECC2-2A8B-CBCC-4AB9-D5F59DE5709D}"/>
               </a:ext>
             </a:extLst>
           </p:cNvPr>
@@ -2992,7 +2992,7 @@
             </a:lvl1pPr>
           </a:lstStyle>
           <a:p>
-            <a:fld id="{FFA207C4-1E40-4AE0-BCEB-D61B65E13D28}" type="slidenum">
+            <a:fld id="{27E4A81C-4C7D-4319-82BE-EE7117D0E001}" type="slidenum">
               <a:rPr lang="zh-CN" altLang="en-US" smtClean="0"/>
               <a:t>‹#›</a:t>
             </a:fld>
@@ -3003,7 +3003,7 @@
     </p:spTree>
     <p:extLst>
       <p:ext uri="{BB962C8B-B14F-4D97-AF65-F5344CB8AC3E}">
-        <p14:creationId xmlns:p14="http://schemas.microsoft.com/office/powerpoint/2010/main" val="1288513341"/>
+        <p14:creationId xmlns:p14="http://schemas.microsoft.com/office/powerpoint/2010/main" val="2008276317"/>
       </p:ext>
     </p:extLst>
   </p:cSld>
@@ -3323,7 +3323,7 @@
       </p:grpSpPr>
       <p:pic>
         <p:nvPicPr>
-          <p:cNvPr id="1430530" name="Picture 2" descr="1396"/>
+          <p:cNvPr id="1431554" name="Picture 2" descr="1397"/>
           <p:cNvPicPr>
             <a:picLocks noChangeAspect="1" noChangeArrowheads="1"/>
           </p:cNvPicPr>
@@ -3344,8 +3344,8 @@
         </p:blipFill>
         <p:spPr bwMode="auto">
           <a:xfrm>
-            <a:off x="1524000" y="0"/>
-            <a:ext cx="9144000" cy="6681788"/>
+            <a:off x="1524000" y="1"/>
+            <a:ext cx="9144000" cy="6735763"/>
           </a:xfrm>
           <a:prstGeom prst="rect">
             <a:avLst/>
